--- a/Trabalho.pptx
+++ b/Trabalho.pptx
@@ -11,8 +11,8 @@
     <p:sldId id="256" r:id="rId2"/>
     <p:sldId id="257" r:id="rId3"/>
     <p:sldId id="258" r:id="rId4"/>
-    <p:sldId id="273" r:id="rId5"/>
-    <p:sldId id="274" r:id="rId6"/>
+    <p:sldId id="279" r:id="rId5"/>
+    <p:sldId id="280" r:id="rId6"/>
     <p:sldId id="262" r:id="rId7"/>
     <p:sldId id="276" r:id="rId8"/>
     <p:sldId id="275" r:id="rId9"/>
@@ -124,7 +124,7 @@
   </p:defaultTextStyle>
   <p:extLst>
     <p:ext uri="{EFAFB233-063F-42B5-8137-9DF3F51BA10A}">
-      <p15:sldGuideLst xmlns:p15="http://schemas.microsoft.com/office/powerpoint/2012/main">
+      <p15:sldGuideLst xmlns:p15="http://schemas.microsoft.com/office/powerpoint/2012/main" xmlns="">
         <p15:guide id="1" orient="horz" pos="2160">
           <p15:clr>
             <a:srgbClr val="A4A3A4"/>
@@ -653,7 +653,7 @@
     </p:spTree>
     <p:extLst>
       <p:ext uri="{BB962C8B-B14F-4D97-AF65-F5344CB8AC3E}">
-        <p14:creationId xmlns:p14="http://schemas.microsoft.com/office/powerpoint/2010/main" val="2320170242"/>
+        <p14:creationId xmlns:p14="http://schemas.microsoft.com/office/powerpoint/2010/main" val="173548533"/>
       </p:ext>
     </p:extLst>
   </p:cSld>
@@ -738,7 +738,7 @@
     </p:spTree>
     <p:extLst>
       <p:ext uri="{BB962C8B-B14F-4D97-AF65-F5344CB8AC3E}">
-        <p14:creationId xmlns:p14="http://schemas.microsoft.com/office/powerpoint/2010/main" val="173548533"/>
+        <p14:creationId xmlns:p14="http://schemas.microsoft.com/office/powerpoint/2010/main" val="2320170242"/>
       </p:ext>
     </p:extLst>
   </p:cSld>
@@ -24055,14 +24055,14 @@
           <p:nvPr>
             <p:extLst>
               <p:ext uri="{D42A27DB-BD31-4B8C-83A1-F6EECF244321}">
-                <p14:modId xmlns:p14="http://schemas.microsoft.com/office/powerpoint/2010/main" val="304679937"/>
+                <p14:modId xmlns:p14="http://schemas.microsoft.com/office/powerpoint/2010/main" val="3960558311"/>
               </p:ext>
             </p:extLst>
           </p:nvPr>
         </p:nvGraphicFramePr>
         <p:xfrm>
           <a:off x="0" y="2924944"/>
-          <a:ext cx="8748464" cy="1737360"/>
+          <a:ext cx="8748464" cy="2011680"/>
         </p:xfrm>
         <a:graphic>
           <a:graphicData uri="http://schemas.openxmlformats.org/drawingml/2006/table">
@@ -24118,7 +24118,7 @@
                           <a:latin typeface="Times New Roman" panose="02020603050405020304" pitchFamily="18" charset="0"/>
                           <a:cs typeface="Times New Roman" panose="02020603050405020304" pitchFamily="18" charset="0"/>
                         </a:rPr>
-                        <a:t>EAF=  1*1,4*1,45*1,46*1,13*0,70*0,95*0,82*0,83 =  0,84</a:t>
+                        <a:t>FAE= 1,3*1*1*1,07 =  1,39</a:t>
                       </a:r>
                     </a:p>
                     <a:p>
@@ -24151,7 +24151,7 @@
                           <a:latin typeface="Times New Roman" panose="02020603050405020304" pitchFamily="18" charset="0"/>
                           <a:cs typeface="Times New Roman" panose="02020603050405020304" pitchFamily="18" charset="0"/>
                         </a:rPr>
-                        <a:t>Esforço aplicado pessoa-mês (E):  ai(LOC)^(BI) * EAF= 3,2 * (2,2^1,05) *0,84 =  6,15  </a:t>
+                        <a:t>Esforço aplicado pessoa-mês (E):  ai(LOC)^(BI) * FAE = 3,2 * (13,4^1,05) *1,39 =  67,86</a:t>
                       </a:r>
                     </a:p>
                     <a:p>
@@ -26726,6 +26726,274 @@
       </p:grpSpPr>
       <p:sp>
         <p:nvSpPr>
+          <p:cNvPr id="2" name="Retângulo 1"/>
+          <p:cNvSpPr/>
+          <p:nvPr/>
+        </p:nvSpPr>
+        <p:spPr>
+          <a:xfrm>
+            <a:off x="568909" y="188640"/>
+            <a:ext cx="7675499" cy="923330"/>
+          </a:xfrm>
+          <a:prstGeom prst="rect">
+            <a:avLst/>
+          </a:prstGeom>
+          <a:noFill/>
+        </p:spPr>
+        <p:txBody>
+          <a:bodyPr wrap="none" lIns="91440" tIns="45720" rIns="91440" bIns="45720">
+            <a:spAutoFit/>
+          </a:bodyPr>
+          <a:lstStyle/>
+          <a:p>
+            <a:pPr algn="ctr"/>
+            <a:r>
+              <a:rPr lang="pt-BR" sz="5400" b="1" cap="none" spc="0" dirty="0" smtClean="0">
+                <a:ln w="12700">
+                  <a:solidFill>
+                    <a:schemeClr val="accent1"/>
+                  </a:solidFill>
+                  <a:prstDash val="solid"/>
+                </a:ln>
+                <a:pattFill prst="pct50">
+                  <a:fgClr>
+                    <a:schemeClr val="accent1"/>
+                  </a:fgClr>
+                  <a:bgClr>
+                    <a:schemeClr val="accent1">
+                      <a:lumMod val="20000"/>
+                      <a:lumOff val="80000"/>
+                    </a:schemeClr>
+                  </a:bgClr>
+                </a:pattFill>
+                <a:effectLst>
+                  <a:outerShdw dist="38100" dir="2640000" algn="bl" rotWithShape="0">
+                    <a:schemeClr val="accent1"/>
+                  </a:outerShdw>
+                </a:effectLst>
+              </a:rPr>
+              <a:t>Requisitos Não Funcionais</a:t>
+            </a:r>
+            <a:endParaRPr lang="pt-BR" sz="5400" b="1" cap="none" spc="0" dirty="0">
+              <a:ln w="12700">
+                <a:solidFill>
+                  <a:schemeClr val="accent1"/>
+                </a:solidFill>
+                <a:prstDash val="solid"/>
+              </a:ln>
+              <a:pattFill prst="pct50">
+                <a:fgClr>
+                  <a:schemeClr val="accent1"/>
+                </a:fgClr>
+                <a:bgClr>
+                  <a:schemeClr val="accent1">
+                    <a:lumMod val="20000"/>
+                    <a:lumOff val="80000"/>
+                  </a:schemeClr>
+                </a:bgClr>
+              </a:pattFill>
+              <a:effectLst>
+                <a:outerShdw dist="38100" dir="2640000" algn="bl" rotWithShape="0">
+                  <a:schemeClr val="accent1"/>
+                </a:outerShdw>
+              </a:effectLst>
+            </a:endParaRPr>
+          </a:p>
+        </p:txBody>
+      </p:sp>
+      <p:sp>
+        <p:nvSpPr>
+          <p:cNvPr id="5" name="CaixaDeTexto 4"/>
+          <p:cNvSpPr txBox="1"/>
+          <p:nvPr/>
+        </p:nvSpPr>
+        <p:spPr>
+          <a:xfrm>
+            <a:off x="1187624" y="1489672"/>
+            <a:ext cx="6576888" cy="2308324"/>
+          </a:xfrm>
+          <a:prstGeom prst="rect">
+            <a:avLst/>
+          </a:prstGeom>
+          <a:noFill/>
+        </p:spPr>
+        <p:txBody>
+          <a:bodyPr wrap="square" rtlCol="0">
+            <a:spAutoFit/>
+          </a:bodyPr>
+          <a:lstStyle/>
+          <a:p>
+            <a:pPr marL="742950" lvl="1" indent="-285750">
+              <a:buFont typeface="Wingdings" panose="05000000000000000000" pitchFamily="2" charset="2"/>
+              <a:buChar char="Ø"/>
+            </a:pPr>
+            <a:r>
+              <a:rPr lang="pt-BR" dirty="0" smtClean="0">
+                <a:latin typeface="Times New Roman" panose="02020603050405020304" pitchFamily="18" charset="0"/>
+                <a:cs typeface="Times New Roman" panose="02020603050405020304" pitchFamily="18" charset="0"/>
+              </a:rPr>
+              <a:t>Entrega:  de </a:t>
+            </a:r>
+            <a:r>
+              <a:rPr lang="pt-BR" dirty="0" smtClean="0">
+                <a:latin typeface="Times New Roman" panose="02020603050405020304" pitchFamily="18" charset="0"/>
+                <a:cs typeface="Times New Roman" panose="02020603050405020304" pitchFamily="18" charset="0"/>
+              </a:rPr>
+              <a:t>5 </a:t>
+            </a:r>
+            <a:r>
+              <a:rPr lang="pt-BR" dirty="0" smtClean="0">
+                <a:latin typeface="Times New Roman" panose="02020603050405020304" pitchFamily="18" charset="0"/>
+                <a:cs typeface="Times New Roman" panose="02020603050405020304" pitchFamily="18" charset="0"/>
+              </a:rPr>
+              <a:t>a </a:t>
+            </a:r>
+            <a:r>
+              <a:rPr lang="pt-BR" dirty="0" smtClean="0">
+                <a:latin typeface="Times New Roman" panose="02020603050405020304" pitchFamily="18" charset="0"/>
+                <a:cs typeface="Times New Roman" panose="02020603050405020304" pitchFamily="18" charset="0"/>
+              </a:rPr>
+              <a:t>6 </a:t>
+            </a:r>
+            <a:r>
+              <a:rPr lang="pt-BR" dirty="0" smtClean="0">
+                <a:latin typeface="Times New Roman" panose="02020603050405020304" pitchFamily="18" charset="0"/>
+                <a:cs typeface="Times New Roman" panose="02020603050405020304" pitchFamily="18" charset="0"/>
+              </a:rPr>
+              <a:t>meses.</a:t>
+            </a:r>
+          </a:p>
+          <a:p>
+            <a:pPr marL="742950" lvl="1" indent="-285750">
+              <a:buFont typeface="Wingdings" panose="05000000000000000000" pitchFamily="2" charset="2"/>
+              <a:buChar char="Ø"/>
+            </a:pPr>
+            <a:r>
+              <a:rPr lang="pt-BR" dirty="0" smtClean="0">
+                <a:latin typeface="Times New Roman" panose="02020603050405020304" pitchFamily="18" charset="0"/>
+                <a:cs typeface="Times New Roman" panose="02020603050405020304" pitchFamily="18" charset="0"/>
+              </a:rPr>
+              <a:t>R. confiabilidade: </a:t>
+            </a:r>
+            <a:r>
+              <a:rPr lang="pt-BR" dirty="0">
+                <a:latin typeface="Times New Roman" pitchFamily="18" charset="0"/>
+                <a:cs typeface="Times New Roman" pitchFamily="18" charset="0"/>
+              </a:rPr>
+              <a:t>alta disponibilidade</a:t>
+            </a:r>
+          </a:p>
+          <a:p>
+            <a:pPr marL="742950" lvl="1" indent="-285750">
+              <a:buFont typeface="Wingdings" panose="05000000000000000000" pitchFamily="2" charset="2"/>
+              <a:buChar char="Ø"/>
+            </a:pPr>
+            <a:r>
+              <a:rPr lang="pt-BR" dirty="0" smtClean="0">
+                <a:latin typeface="Times New Roman" pitchFamily="18" charset="0"/>
+                <a:cs typeface="Times New Roman" pitchFamily="18" charset="0"/>
+              </a:rPr>
+              <a:t>R. implementação, e padrões: Desenvolvido </a:t>
+            </a:r>
+            <a:r>
+              <a:rPr lang="pt-BR" dirty="0">
+                <a:latin typeface="Times New Roman" pitchFamily="18" charset="0"/>
+                <a:cs typeface="Times New Roman" pitchFamily="18" charset="0"/>
+              </a:rPr>
+              <a:t>na linguagem </a:t>
+            </a:r>
+            <a:r>
+              <a:rPr lang="pt-BR" dirty="0" smtClean="0">
+                <a:latin typeface="Times New Roman" panose="02020603050405020304" pitchFamily="18" charset="0"/>
+                <a:cs typeface="Times New Roman" panose="02020603050405020304" pitchFamily="18" charset="0"/>
+              </a:rPr>
+              <a:t>Java, usando orientação a objetos</a:t>
+            </a:r>
+          </a:p>
+          <a:p>
+            <a:pPr marL="742950" lvl="1" indent="-285750">
+              <a:buFont typeface="Wingdings" panose="05000000000000000000" pitchFamily="2" charset="2"/>
+              <a:buChar char="Ø"/>
+            </a:pPr>
+            <a:r>
+              <a:rPr lang="pt-BR" dirty="0" smtClean="0">
+                <a:latin typeface="Times New Roman" panose="02020603050405020304" pitchFamily="18" charset="0"/>
+                <a:cs typeface="Times New Roman" panose="02020603050405020304" pitchFamily="18" charset="0"/>
+              </a:rPr>
+              <a:t>R. éticos: o sistema não apresentará aos usuários quaisquer dados de cunho privativo</a:t>
+            </a:r>
+          </a:p>
+          <a:p>
+            <a:pPr marL="742950" lvl="1" indent="-285750">
+              <a:buFont typeface="Wingdings" panose="05000000000000000000" pitchFamily="2" charset="2"/>
+              <a:buChar char="Ø"/>
+            </a:pPr>
+            <a:r>
+              <a:rPr lang="pt-BR" dirty="0" smtClean="0">
+                <a:latin typeface="Times New Roman" panose="02020603050405020304" pitchFamily="18" charset="0"/>
+                <a:cs typeface="Times New Roman" panose="02020603050405020304" pitchFamily="18" charset="0"/>
+              </a:rPr>
+              <a:t>R. legais: o </a:t>
+            </a:r>
+            <a:r>
+              <a:rPr lang="pt-BR" dirty="0">
+                <a:latin typeface="Times New Roman" pitchFamily="18" charset="0"/>
+                <a:cs typeface="Times New Roman" pitchFamily="18" charset="0"/>
+              </a:rPr>
+              <a:t>sistema deverá atender às normas legais, tais como padrões, leis, </a:t>
+            </a:r>
+            <a:r>
+              <a:rPr lang="pt-BR" dirty="0" smtClean="0">
+                <a:latin typeface="Times New Roman" pitchFamily="18" charset="0"/>
+                <a:cs typeface="Times New Roman" pitchFamily="18" charset="0"/>
+              </a:rPr>
+              <a:t>etc.</a:t>
+            </a:r>
+          </a:p>
+        </p:txBody>
+      </p:sp>
+    </p:spTree>
+    <p:extLst>
+      <p:ext uri="{BB962C8B-B14F-4D97-AF65-F5344CB8AC3E}">
+        <p14:creationId xmlns:p14="http://schemas.microsoft.com/office/powerpoint/2010/main" val="3366342898"/>
+      </p:ext>
+    </p:extLst>
+  </p:cSld>
+  <p:clrMapOvr>
+    <a:masterClrMapping/>
+  </p:clrMapOvr>
+  <p:transition spd="slow">
+    <p:push dir="u"/>
+  </p:transition>
+  <p:timing>
+    <p:tnLst>
+      <p:par>
+        <p:cTn id="1" dur="indefinite" restart="never" nodeType="tmRoot"/>
+      </p:par>
+    </p:tnLst>
+  </p:timing>
+</p:sld>
+</file>
+
+<file path=ppt/slides/slide5.xml><?xml version="1.0" encoding="utf-8"?>
+<p:sld xmlns:a="http://schemas.openxmlformats.org/drawingml/2006/main" xmlns:r="http://schemas.openxmlformats.org/officeDocument/2006/relationships" xmlns:p="http://schemas.openxmlformats.org/presentationml/2006/main">
+  <p:cSld>
+    <p:spTree>
+      <p:nvGrpSpPr>
+        <p:cNvPr id="1" name=""/>
+        <p:cNvGrpSpPr/>
+        <p:nvPr/>
+      </p:nvGrpSpPr>
+      <p:grpSpPr>
+        <a:xfrm>
+          <a:off x="0" y="0"/>
+          <a:ext cx="0" cy="0"/>
+          <a:chOff x="0" y="0"/>
+          <a:chExt cx="0" cy="0"/>
+        </a:xfrm>
+      </p:grpSpPr>
+      <p:sp>
+        <p:nvSpPr>
           <p:cNvPr id="5" name="CaixaDeTexto 4"/>
           <p:cNvSpPr txBox="1"/>
           <p:nvPr/>
@@ -26771,7 +27039,14 @@
                 <a:latin typeface="Times New Roman" panose="02020603050405020304" pitchFamily="18" charset="0"/>
                 <a:cs typeface="Times New Roman" panose="02020603050405020304" pitchFamily="18" charset="0"/>
               </a:rPr>
-              <a:t>Add,Edit,Remove</a:t>
+              <a:t>Add</a:t>
+            </a:r>
+            <a:r>
+              <a:rPr lang="pt-BR" dirty="0" smtClean="0">
+                <a:latin typeface="Times New Roman" panose="02020603050405020304" pitchFamily="18" charset="0"/>
+                <a:cs typeface="Times New Roman" panose="02020603050405020304" pitchFamily="18" charset="0"/>
+              </a:rPr>
+              <a:t>, Edit, Remove</a:t>
             </a:r>
             <a:r>
               <a:rPr lang="pt-BR" dirty="0" smtClean="0">
@@ -26794,19 +27069,16 @@
               <a:t>Perfil(Foto , </a:t>
             </a:r>
             <a:r>
-              <a:rPr lang="pt-BR" dirty="0" err="1" smtClean="0">
-                <a:latin typeface="Times New Roman" panose="02020603050405020304" pitchFamily="18" charset="0"/>
-                <a:cs typeface="Times New Roman" panose="02020603050405020304" pitchFamily="18" charset="0"/>
-              </a:rPr>
-              <a:t>Informaçoes</a:t>
-            </a:r>
-            <a:r>
               <a:rPr lang="pt-BR" dirty="0" smtClean="0">
                 <a:latin typeface="Times New Roman" panose="02020603050405020304" pitchFamily="18" charset="0"/>
                 <a:cs typeface="Times New Roman" panose="02020603050405020304" pitchFamily="18" charset="0"/>
               </a:rPr>
-              <a:t>).</a:t>
+              <a:t>Informações).</a:t>
             </a:r>
+            <a:endParaRPr lang="pt-BR" dirty="0" smtClean="0">
+              <a:latin typeface="Times New Roman" panose="02020603050405020304" pitchFamily="18" charset="0"/>
+              <a:cs typeface="Times New Roman" panose="02020603050405020304" pitchFamily="18" charset="0"/>
+            </a:endParaRPr>
           </a:p>
           <a:p>
             <a:r>
@@ -26838,14 +27110,14 @@
                 <a:latin typeface="Times New Roman" panose="02020603050405020304" pitchFamily="18" charset="0"/>
                 <a:cs typeface="Times New Roman" panose="02020603050405020304" pitchFamily="18" charset="0"/>
               </a:rPr>
-              <a:t>Cadastro (</a:t>
+              <a:t>Cadastro (Add</a:t>
             </a:r>
             <a:r>
-              <a:rPr lang="pt-BR" dirty="0" err="1" smtClean="0">
+              <a:rPr lang="pt-BR" dirty="0" smtClean="0">
                 <a:latin typeface="Times New Roman" panose="02020603050405020304" pitchFamily="18" charset="0"/>
                 <a:cs typeface="Times New Roman" panose="02020603050405020304" pitchFamily="18" charset="0"/>
               </a:rPr>
-              <a:t>Add,Edit,Remove</a:t>
+              <a:t>, Edit, Remove</a:t>
             </a:r>
             <a:r>
               <a:rPr lang="pt-BR" dirty="0">
@@ -26881,11 +27153,11 @@
               <a:t>Ligar maquina, Desligar </a:t>
             </a:r>
             <a:r>
-              <a:rPr lang="pt-BR" dirty="0" err="1" smtClean="0">
+              <a:rPr lang="pt-BR" dirty="0" smtClean="0">
                 <a:latin typeface="Times New Roman" panose="02020603050405020304" pitchFamily="18" charset="0"/>
                 <a:cs typeface="Times New Roman" panose="02020603050405020304" pitchFamily="18" charset="0"/>
               </a:rPr>
-              <a:t>maquina</a:t>
+              <a:t>máquina</a:t>
             </a:r>
             <a:r>
               <a:rPr lang="pt-BR" dirty="0" smtClean="0">
@@ -26942,7 +27214,14 @@
                 <a:latin typeface="Times New Roman" panose="02020603050405020304" pitchFamily="18" charset="0"/>
                 <a:cs typeface="Times New Roman" panose="02020603050405020304" pitchFamily="18" charset="0"/>
               </a:rPr>
-              <a:t>Add,Edit,Remove</a:t>
+              <a:t>Add</a:t>
+            </a:r>
+            <a:r>
+              <a:rPr lang="pt-BR" dirty="0" smtClean="0">
+                <a:latin typeface="Times New Roman" panose="02020603050405020304" pitchFamily="18" charset="0"/>
+                <a:cs typeface="Times New Roman" panose="02020603050405020304" pitchFamily="18" charset="0"/>
+              </a:rPr>
+              <a:t>, Edit, Remove</a:t>
             </a:r>
             <a:r>
               <a:rPr lang="pt-BR" dirty="0">
@@ -26995,14 +27274,28 @@
                 <a:latin typeface="Times New Roman" panose="02020603050405020304" pitchFamily="18" charset="0"/>
                 <a:cs typeface="Times New Roman" panose="02020603050405020304" pitchFamily="18" charset="0"/>
               </a:rPr>
-              <a:t>Cadastro de Produto(</a:t>
+              <a:t>Cadastro de </a:t>
             </a:r>
             <a:r>
-              <a:rPr lang="pt-BR" dirty="0" err="1">
+              <a:rPr lang="pt-BR" dirty="0" smtClean="0">
                 <a:latin typeface="Times New Roman" panose="02020603050405020304" pitchFamily="18" charset="0"/>
                 <a:cs typeface="Times New Roman" panose="02020603050405020304" pitchFamily="18" charset="0"/>
               </a:rPr>
-              <a:t>Add,Edit,Remove</a:t>
+              <a:t>Produto(</a:t>
+            </a:r>
+            <a:r>
+              <a:rPr lang="pt-BR" dirty="0" err="1" smtClean="0">
+                <a:latin typeface="Times New Roman" panose="02020603050405020304" pitchFamily="18" charset="0"/>
+                <a:cs typeface="Times New Roman" panose="02020603050405020304" pitchFamily="18" charset="0"/>
+              </a:rPr>
+              <a:t>Add</a:t>
+            </a:r>
+            <a:r>
+              <a:rPr lang="pt-BR" dirty="0" smtClean="0">
+                <a:latin typeface="Times New Roman" panose="02020603050405020304" pitchFamily="18" charset="0"/>
+                <a:cs typeface="Times New Roman" panose="02020603050405020304" pitchFamily="18" charset="0"/>
+              </a:rPr>
+              <a:t>, Edit, Remove</a:t>
             </a:r>
             <a:r>
               <a:rPr lang="pt-BR" dirty="0">
@@ -27035,21 +27328,7 @@
                 <a:latin typeface="Times New Roman" panose="02020603050405020304" pitchFamily="18" charset="0"/>
                 <a:cs typeface="Times New Roman" panose="02020603050405020304" pitchFamily="18" charset="0"/>
               </a:rPr>
-              <a:t>Sistema Financeiro da Lan </a:t>
-            </a:r>
-            <a:r>
-              <a:rPr lang="pt-BR" b="1" dirty="0" err="1">
-                <a:latin typeface="Times New Roman" panose="02020603050405020304" pitchFamily="18" charset="0"/>
-                <a:cs typeface="Times New Roman" panose="02020603050405020304" pitchFamily="18" charset="0"/>
-              </a:rPr>
-              <a:t>House</a:t>
-            </a:r>
-            <a:r>
-              <a:rPr lang="pt-BR" b="1" dirty="0">
-                <a:latin typeface="Times New Roman" panose="02020603050405020304" pitchFamily="18" charset="0"/>
-                <a:cs typeface="Times New Roman" panose="02020603050405020304" pitchFamily="18" charset="0"/>
-              </a:rPr>
-              <a:t>.</a:t>
+              <a:t>Sistema Financeiro da Lan House.</a:t>
             </a:r>
           </a:p>
           <a:p>
@@ -27147,355 +27426,7 @@
     </p:spTree>
     <p:extLst>
       <p:ext uri="{BB962C8B-B14F-4D97-AF65-F5344CB8AC3E}">
-        <p14:creationId xmlns:p14="http://schemas.microsoft.com/office/powerpoint/2010/main" val="3454220110"/>
-      </p:ext>
-    </p:extLst>
-  </p:cSld>
-  <p:clrMapOvr>
-    <a:masterClrMapping/>
-  </p:clrMapOvr>
-  <p:transition spd="slow">
-    <p:push dir="u"/>
-  </p:transition>
-  <p:timing>
-    <p:tnLst>
-      <p:par>
-        <p:cTn id="1" dur="indefinite" restart="never" nodeType="tmRoot"/>
-      </p:par>
-    </p:tnLst>
-  </p:timing>
-</p:sld>
-</file>
-
-<file path=ppt/slides/slide5.xml><?xml version="1.0" encoding="utf-8"?>
-<p:sld xmlns:a="http://schemas.openxmlformats.org/drawingml/2006/main" xmlns:r="http://schemas.openxmlformats.org/officeDocument/2006/relationships" xmlns:p="http://schemas.openxmlformats.org/presentationml/2006/main">
-  <p:cSld>
-    <p:spTree>
-      <p:nvGrpSpPr>
-        <p:cNvPr id="1" name=""/>
-        <p:cNvGrpSpPr/>
-        <p:nvPr/>
-      </p:nvGrpSpPr>
-      <p:grpSpPr>
-        <a:xfrm>
-          <a:off x="0" y="0"/>
-          <a:ext cx="0" cy="0"/>
-          <a:chOff x="0" y="0"/>
-          <a:chExt cx="0" cy="0"/>
-        </a:xfrm>
-      </p:grpSpPr>
-      <p:sp>
-        <p:nvSpPr>
-          <p:cNvPr id="2" name="Retângulo 1"/>
-          <p:cNvSpPr/>
-          <p:nvPr/>
-        </p:nvSpPr>
-        <p:spPr>
-          <a:xfrm>
-            <a:off x="568909" y="188640"/>
-            <a:ext cx="7675499" cy="923330"/>
-          </a:xfrm>
-          <a:prstGeom prst="rect">
-            <a:avLst/>
-          </a:prstGeom>
-          <a:noFill/>
-        </p:spPr>
-        <p:txBody>
-          <a:bodyPr wrap="none" lIns="91440" tIns="45720" rIns="91440" bIns="45720">
-            <a:spAutoFit/>
-          </a:bodyPr>
-          <a:lstStyle/>
-          <a:p>
-            <a:pPr algn="ctr"/>
-            <a:r>
-              <a:rPr lang="pt-BR" sz="5400" b="1" cap="none" spc="0" dirty="0" smtClean="0">
-                <a:ln w="12700">
-                  <a:solidFill>
-                    <a:schemeClr val="accent1"/>
-                  </a:solidFill>
-                  <a:prstDash val="solid"/>
-                </a:ln>
-                <a:pattFill prst="pct50">
-                  <a:fgClr>
-                    <a:schemeClr val="accent1"/>
-                  </a:fgClr>
-                  <a:bgClr>
-                    <a:schemeClr val="accent1">
-                      <a:lumMod val="20000"/>
-                      <a:lumOff val="80000"/>
-                    </a:schemeClr>
-                  </a:bgClr>
-                </a:pattFill>
-                <a:effectLst>
-                  <a:outerShdw dist="38100" dir="2640000" algn="bl" rotWithShape="0">
-                    <a:schemeClr val="accent1"/>
-                  </a:outerShdw>
-                </a:effectLst>
-              </a:rPr>
-              <a:t>Requisitos Não Funcionais</a:t>
-            </a:r>
-            <a:endParaRPr lang="pt-BR" sz="5400" b="1" cap="none" spc="0" dirty="0">
-              <a:ln w="12700">
-                <a:solidFill>
-                  <a:schemeClr val="accent1"/>
-                </a:solidFill>
-                <a:prstDash val="solid"/>
-              </a:ln>
-              <a:pattFill prst="pct50">
-                <a:fgClr>
-                  <a:schemeClr val="accent1"/>
-                </a:fgClr>
-                <a:bgClr>
-                  <a:schemeClr val="accent1">
-                    <a:lumMod val="20000"/>
-                    <a:lumOff val="80000"/>
-                  </a:schemeClr>
-                </a:bgClr>
-              </a:pattFill>
-              <a:effectLst>
-                <a:outerShdw dist="38100" dir="2640000" algn="bl" rotWithShape="0">
-                  <a:schemeClr val="accent1"/>
-                </a:outerShdw>
-              </a:effectLst>
-            </a:endParaRPr>
-          </a:p>
-        </p:txBody>
-      </p:sp>
-      <p:sp>
-        <p:nvSpPr>
-          <p:cNvPr id="4" name="CaixaDeTexto 3"/>
-          <p:cNvSpPr txBox="1"/>
-          <p:nvPr/>
-        </p:nvSpPr>
-        <p:spPr>
-          <a:xfrm>
-            <a:off x="1979712" y="1340768"/>
-            <a:ext cx="5184576" cy="3970318"/>
-          </a:xfrm>
-          <a:prstGeom prst="rect">
-            <a:avLst/>
-          </a:prstGeom>
-          <a:noFill/>
-        </p:spPr>
-        <p:txBody>
-          <a:bodyPr wrap="square" rtlCol="0">
-            <a:spAutoFit/>
-          </a:bodyPr>
-          <a:lstStyle/>
-          <a:p>
-            <a:r>
-              <a:rPr lang="pt-BR" b="1" dirty="0" smtClean="0">
-                <a:latin typeface="Times New Roman" panose="02020603050405020304" pitchFamily="18" charset="0"/>
-                <a:cs typeface="Times New Roman" panose="02020603050405020304" pitchFamily="18" charset="0"/>
-              </a:rPr>
-              <a:t>Sistema Gerenciamento De Usuários.</a:t>
-            </a:r>
-          </a:p>
-          <a:p>
-            <a:pPr marL="742950" lvl="1" indent="-285750">
-              <a:buFont typeface="Wingdings" panose="05000000000000000000" pitchFamily="2" charset="2"/>
-              <a:buChar char="Ø"/>
-            </a:pPr>
-            <a:r>
-              <a:rPr lang="pt-BR" dirty="0" smtClean="0">
-                <a:latin typeface="Times New Roman" panose="02020603050405020304" pitchFamily="18" charset="0"/>
-                <a:cs typeface="Times New Roman" panose="02020603050405020304" pitchFamily="18" charset="0"/>
-              </a:rPr>
-              <a:t>Confiabilidade e segurança .dos dados.</a:t>
-            </a:r>
-          </a:p>
-          <a:p>
-            <a:pPr marL="742950" lvl="1" indent="-285750">
-              <a:buFont typeface="Wingdings" panose="05000000000000000000" pitchFamily="2" charset="2"/>
-              <a:buChar char="Ø"/>
-            </a:pPr>
-            <a:endParaRPr lang="pt-BR" dirty="0" smtClean="0">
-              <a:latin typeface="Times New Roman" panose="02020603050405020304" pitchFamily="18" charset="0"/>
-              <a:cs typeface="Times New Roman" panose="02020603050405020304" pitchFamily="18" charset="0"/>
-            </a:endParaRPr>
-          </a:p>
-          <a:p>
-            <a:r>
-              <a:rPr lang="pt-BR" b="1" dirty="0" smtClean="0">
-                <a:latin typeface="Times New Roman" panose="02020603050405020304" pitchFamily="18" charset="0"/>
-                <a:cs typeface="Times New Roman" panose="02020603050405020304" pitchFamily="18" charset="0"/>
-              </a:rPr>
-              <a:t>Sistema </a:t>
-            </a:r>
-            <a:r>
-              <a:rPr lang="pt-BR" b="1" dirty="0">
-                <a:latin typeface="Times New Roman" panose="02020603050405020304" pitchFamily="18" charset="0"/>
-                <a:cs typeface="Times New Roman" panose="02020603050405020304" pitchFamily="18" charset="0"/>
-              </a:rPr>
-              <a:t>Gerenciamento </a:t>
-            </a:r>
-            <a:r>
-              <a:rPr lang="pt-BR" b="1" dirty="0" smtClean="0">
-                <a:latin typeface="Times New Roman" panose="02020603050405020304" pitchFamily="18" charset="0"/>
-                <a:cs typeface="Times New Roman" panose="02020603050405020304" pitchFamily="18" charset="0"/>
-              </a:rPr>
-              <a:t>De Maquinas</a:t>
-            </a:r>
-            <a:endParaRPr lang="pt-BR" b="1" dirty="0">
-              <a:latin typeface="Times New Roman" panose="02020603050405020304" pitchFamily="18" charset="0"/>
-              <a:cs typeface="Times New Roman" panose="02020603050405020304" pitchFamily="18" charset="0"/>
-            </a:endParaRPr>
-          </a:p>
-          <a:p>
-            <a:pPr marL="742950" lvl="1" indent="-285750">
-              <a:buFont typeface="Wingdings" panose="05000000000000000000" pitchFamily="2" charset="2"/>
-              <a:buChar char="Ø"/>
-            </a:pPr>
-            <a:r>
-              <a:rPr lang="pt-BR" dirty="0" smtClean="0">
-                <a:latin typeface="Times New Roman" panose="02020603050405020304" pitchFamily="18" charset="0"/>
-                <a:cs typeface="Times New Roman" panose="02020603050405020304" pitchFamily="18" charset="0"/>
-              </a:rPr>
-              <a:t>Fazer um Software S.O Windows.</a:t>
-            </a:r>
-          </a:p>
-          <a:p>
-            <a:pPr marL="742950" lvl="1" indent="-285750">
-              <a:buFont typeface="Wingdings" panose="05000000000000000000" pitchFamily="2" charset="2"/>
-              <a:buChar char="Ø"/>
-            </a:pPr>
-            <a:endParaRPr lang="pt-BR" dirty="0" smtClean="0">
-              <a:latin typeface="Times New Roman" panose="02020603050405020304" pitchFamily="18" charset="0"/>
-              <a:cs typeface="Times New Roman" panose="02020603050405020304" pitchFamily="18" charset="0"/>
-            </a:endParaRPr>
-          </a:p>
-          <a:p>
-            <a:r>
-              <a:rPr lang="pt-BR" b="1" dirty="0" smtClean="0">
-                <a:latin typeface="Times New Roman" panose="02020603050405020304" pitchFamily="18" charset="0"/>
-                <a:cs typeface="Times New Roman" panose="02020603050405020304" pitchFamily="18" charset="0"/>
-              </a:rPr>
-              <a:t>Sistema Gerenciamento Vendas Lanchonete.</a:t>
-            </a:r>
-          </a:p>
-          <a:p>
-            <a:pPr marL="742950" lvl="1" indent="-285750">
-              <a:buFont typeface="Wingdings" panose="05000000000000000000" pitchFamily="2" charset="2"/>
-              <a:buChar char="Ø"/>
-            </a:pPr>
-            <a:r>
-              <a:rPr lang="pt-BR" dirty="0" smtClean="0">
-                <a:latin typeface="Times New Roman" panose="02020603050405020304" pitchFamily="18" charset="0"/>
-                <a:cs typeface="Times New Roman" panose="02020603050405020304" pitchFamily="18" charset="0"/>
-              </a:rPr>
-              <a:t>Utilizara Cartão com chip.</a:t>
-            </a:r>
-          </a:p>
-          <a:p>
-            <a:pPr marL="742950" lvl="1" indent="-285750">
-              <a:buFont typeface="Wingdings" panose="05000000000000000000" pitchFamily="2" charset="2"/>
-              <a:buChar char="Ø"/>
-            </a:pPr>
-            <a:endParaRPr lang="pt-BR" dirty="0" smtClean="0">
-              <a:latin typeface="Times New Roman" panose="02020603050405020304" pitchFamily="18" charset="0"/>
-              <a:cs typeface="Times New Roman" panose="02020603050405020304" pitchFamily="18" charset="0"/>
-            </a:endParaRPr>
-          </a:p>
-          <a:p>
-            <a:r>
-              <a:rPr lang="pt-BR" b="1" dirty="0">
-                <a:latin typeface="Times New Roman" panose="02020603050405020304" pitchFamily="18" charset="0"/>
-                <a:cs typeface="Times New Roman" panose="02020603050405020304" pitchFamily="18" charset="0"/>
-              </a:rPr>
-              <a:t>Sistema </a:t>
-            </a:r>
-            <a:r>
-              <a:rPr lang="pt-BR" b="1" dirty="0" smtClean="0">
-                <a:latin typeface="Times New Roman" panose="02020603050405020304" pitchFamily="18" charset="0"/>
-                <a:cs typeface="Times New Roman" panose="02020603050405020304" pitchFamily="18" charset="0"/>
-              </a:rPr>
-              <a:t>Gerenciamento de Locação de Game.</a:t>
-            </a:r>
-            <a:endParaRPr lang="pt-BR" b="1" dirty="0">
-              <a:latin typeface="Times New Roman" panose="02020603050405020304" pitchFamily="18" charset="0"/>
-              <a:cs typeface="Times New Roman" panose="02020603050405020304" pitchFamily="18" charset="0"/>
-            </a:endParaRPr>
-          </a:p>
-          <a:p>
-            <a:pPr marL="742950" lvl="1" indent="-285750">
-              <a:buFont typeface="Wingdings" panose="05000000000000000000" pitchFamily="2" charset="2"/>
-              <a:buChar char="Ø"/>
-            </a:pPr>
-            <a:r>
-              <a:rPr lang="pt-BR" dirty="0">
-                <a:latin typeface="Times New Roman" panose="02020603050405020304" pitchFamily="18" charset="0"/>
-                <a:cs typeface="Times New Roman" panose="02020603050405020304" pitchFamily="18" charset="0"/>
-              </a:rPr>
-              <a:t>Utilizara Cartão com </a:t>
-            </a:r>
-            <a:r>
-              <a:rPr lang="pt-BR" dirty="0" smtClean="0">
-                <a:latin typeface="Times New Roman" panose="02020603050405020304" pitchFamily="18" charset="0"/>
-                <a:cs typeface="Times New Roman" panose="02020603050405020304" pitchFamily="18" charset="0"/>
-              </a:rPr>
-              <a:t>chip.</a:t>
-            </a:r>
-          </a:p>
-          <a:p>
-            <a:pPr lvl="1"/>
-            <a:endParaRPr lang="pt-BR" dirty="0" smtClean="0">
-              <a:latin typeface="Times New Roman" panose="02020603050405020304" pitchFamily="18" charset="0"/>
-              <a:cs typeface="Times New Roman" panose="02020603050405020304" pitchFamily="18" charset="0"/>
-            </a:endParaRPr>
-          </a:p>
-          <a:p>
-            <a:r>
-              <a:rPr lang="pt-BR" b="1" dirty="0" smtClean="0">
-                <a:latin typeface="Times New Roman" panose="02020603050405020304" pitchFamily="18" charset="0"/>
-                <a:cs typeface="Times New Roman" panose="02020603050405020304" pitchFamily="18" charset="0"/>
-              </a:rPr>
-              <a:t>Sistema Financeiro da Lan </a:t>
-            </a:r>
-            <a:r>
-              <a:rPr lang="pt-BR" b="1" dirty="0" err="1" smtClean="0">
-                <a:latin typeface="Times New Roman" panose="02020603050405020304" pitchFamily="18" charset="0"/>
-                <a:cs typeface="Times New Roman" panose="02020603050405020304" pitchFamily="18" charset="0"/>
-              </a:rPr>
-              <a:t>House</a:t>
-            </a:r>
-            <a:r>
-              <a:rPr lang="pt-BR" b="1" dirty="0" smtClean="0">
-                <a:latin typeface="Times New Roman" panose="02020603050405020304" pitchFamily="18" charset="0"/>
-                <a:cs typeface="Times New Roman" panose="02020603050405020304" pitchFamily="18" charset="0"/>
-              </a:rPr>
-              <a:t>.</a:t>
-            </a:r>
-          </a:p>
-          <a:p>
-            <a:pPr marL="742950" lvl="1" indent="-285750">
-              <a:buFont typeface="Wingdings" panose="05000000000000000000" pitchFamily="2" charset="2"/>
-              <a:buChar char="Ø"/>
-            </a:pPr>
-            <a:r>
-              <a:rPr lang="pt-BR" dirty="0" smtClean="0">
-                <a:latin typeface="Times New Roman" panose="02020603050405020304" pitchFamily="18" charset="0"/>
-                <a:cs typeface="Times New Roman" panose="02020603050405020304" pitchFamily="18" charset="0"/>
-              </a:rPr>
-              <a:t>Modelo de gerenciamento PDCA</a:t>
-            </a:r>
-            <a:r>
-              <a:rPr lang="pt-BR" dirty="0">
-                <a:latin typeface="Times New Roman" panose="02020603050405020304" pitchFamily="18" charset="0"/>
-                <a:cs typeface="Times New Roman" panose="02020603050405020304" pitchFamily="18" charset="0"/>
-              </a:rPr>
-              <a:t>.</a:t>
-            </a:r>
-            <a:endParaRPr lang="pt-BR" dirty="0" smtClean="0">
-              <a:latin typeface="Times New Roman" panose="02020603050405020304" pitchFamily="18" charset="0"/>
-              <a:cs typeface="Times New Roman" panose="02020603050405020304" pitchFamily="18" charset="0"/>
-            </a:endParaRPr>
-          </a:p>
-        </p:txBody>
-      </p:sp>
-    </p:spTree>
-    <p:extLst>
-      <p:ext uri="{BB962C8B-B14F-4D97-AF65-F5344CB8AC3E}">
-        <p14:creationId xmlns:p14="http://schemas.microsoft.com/office/powerpoint/2010/main" val="3320222125"/>
+        <p14:creationId xmlns:p14="http://schemas.microsoft.com/office/powerpoint/2010/main" val="4118752004"/>
       </p:ext>
     </p:extLst>
   </p:cSld>
@@ -34768,7 +34699,7 @@
     </a:clrScheme>
     <a:fontScheme name="Evento Principal">
       <a:majorFont>
-        <a:latin typeface="Impact" panose="020B0806030902050204"/>
+        <a:latin typeface="Impact"/>
         <a:ea typeface=""/>
         <a:cs typeface=""/>
         <a:font script="Jpan" typeface="ＭＳ Ｐゴシック"/>
@@ -34803,7 +34734,7 @@
         <a:font script="Geor" typeface="Sylfaen"/>
       </a:majorFont>
       <a:minorFont>
-        <a:latin typeface="Impact" panose="020B0806030902050204"/>
+        <a:latin typeface="Impact"/>
         <a:ea typeface=""/>
         <a:cs typeface=""/>
         <a:font script="Jpan" typeface="ＭＳ Ｐゴシック"/>
@@ -34946,7 +34877,7 @@
   <a:extraClrSchemeLst/>
   <a:extLst>
     <a:ext uri="{05A4C25C-085E-4340-85A3-A5531E510DB2}">
-      <thm15:themeFamily xmlns:thm15="http://schemas.microsoft.com/office/thememl/2012/main" name="Main Event" id="{AC372BB4-D83D-411E-B849-B641926BA760}" vid="{F1EFBDE3-1A95-4E3D-81AD-1F53D65BEA01}"/>
+      <thm15:themeFamily xmlns:thm15="http://schemas.microsoft.com/office/thememl/2012/main" xmlns="" name="Main Event" id="{AC372BB4-D83D-411E-B849-B641926BA760}" vid="{F1EFBDE3-1A95-4E3D-81AD-1F53D65BEA01}"/>
     </a:ext>
   </a:extLst>
 </a:theme>

--- a/Trabalho.pptx
+++ b/Trabalho.pptx
@@ -124,7 +124,7 @@
   </p:defaultTextStyle>
   <p:extLst>
     <p:ext uri="{EFAFB233-063F-42B5-8137-9DF3F51BA10A}">
-      <p15:sldGuideLst xmlns:p15="http://schemas.microsoft.com/office/powerpoint/2012/main" xmlns="">
+      <p15:sldGuideLst xmlns="" xmlns:p15="http://schemas.microsoft.com/office/powerpoint/2012/main">
         <p15:guide id="1" orient="horz" pos="2160">
           <p15:clr>
             <a:srgbClr val="A4A3A4"/>
@@ -24218,14 +24218,14 @@
           <p:nvPr>
             <p:extLst>
               <p:ext uri="{D42A27DB-BD31-4B8C-83A1-F6EECF244321}">
-                <p14:modId xmlns:p14="http://schemas.microsoft.com/office/powerpoint/2010/main" val="990650441"/>
+                <p14:modId xmlns:p14="http://schemas.microsoft.com/office/powerpoint/2010/main" val="2023397563"/>
               </p:ext>
             </p:extLst>
           </p:nvPr>
         </p:nvGraphicFramePr>
         <p:xfrm>
           <a:off x="1043608" y="1556792"/>
-          <a:ext cx="7043285" cy="1361882"/>
+          <a:ext cx="7043285" cy="1437880"/>
         </p:xfrm>
         <a:graphic>
           <a:graphicData uri="http://schemas.openxmlformats.org/drawingml/2006/table">
@@ -24466,266 +24466,6 @@
                     <a:p>
                       <a:pPr algn="ctr">
                         <a:lnSpc>
-                          <a:spcPct val="107000"/>
-                        </a:lnSpc>
-                        <a:spcAft>
-                          <a:spcPts val="800"/>
-                        </a:spcAft>
-                      </a:pPr>
-                      <a:r>
-                        <a:rPr lang="pt-BR" sz="1100" dirty="0">
-                          <a:effectLst/>
-                          <a:latin typeface="Times New Roman" panose="02020603050405020304" pitchFamily="18" charset="0"/>
-                          <a:cs typeface="Times New Roman" panose="02020603050405020304" pitchFamily="18" charset="0"/>
-                        </a:rPr>
-                        <a:t>R$ </a:t>
-                      </a:r>
-                      <a:r>
-                        <a:rPr lang="pt-BR" sz="1100" dirty="0" smtClean="0">
-                          <a:effectLst/>
-                          <a:latin typeface="Times New Roman" panose="02020603050405020304" pitchFamily="18" charset="0"/>
-                          <a:cs typeface="Times New Roman" panose="02020603050405020304" pitchFamily="18" charset="0"/>
-                        </a:rPr>
-                        <a:t>68,000</a:t>
-                      </a:r>
-                      <a:endParaRPr lang="pt-BR" sz="1100" dirty="0">
-                        <a:effectLst/>
-                        <a:latin typeface="Times New Roman" panose="02020603050405020304" pitchFamily="18" charset="0"/>
-                        <a:ea typeface="Calibri"/>
-                        <a:cs typeface="Times New Roman" panose="02020603050405020304" pitchFamily="18" charset="0"/>
-                      </a:endParaRPr>
-                    </a:p>
-                  </a:txBody>
-                  <a:tcPr marL="68580" marR="68580" marT="0" marB="0"/>
-                </a:tc>
-              </a:tr>
-              <a:tr h="285752">
-                <a:tc>
-                  <a:txBody>
-                    <a:bodyPr/>
-                    <a:lstStyle/>
-                    <a:p>
-                      <a:pPr algn="ctr">
-                        <a:lnSpc>
-                          <a:spcPct val="115000"/>
-                        </a:lnSpc>
-                        <a:spcAft>
-                          <a:spcPts val="1000"/>
-                        </a:spcAft>
-                      </a:pPr>
-                      <a:r>
-                        <a:rPr lang="pt-BR" sz="1100" dirty="0">
-                          <a:effectLst/>
-                          <a:latin typeface="Times New Roman" panose="02020603050405020304" pitchFamily="18" charset="0"/>
-                          <a:cs typeface="Times New Roman" panose="02020603050405020304" pitchFamily="18" charset="0"/>
-                        </a:rPr>
-                        <a:t>Semidestacado</a:t>
-                      </a:r>
-                      <a:endParaRPr lang="pt-BR" sz="1100" dirty="0">
-                        <a:effectLst/>
-                        <a:latin typeface="Times New Roman" panose="02020603050405020304" pitchFamily="18" charset="0"/>
-                        <a:ea typeface="Calibri"/>
-                        <a:cs typeface="Times New Roman" panose="02020603050405020304" pitchFamily="18" charset="0"/>
-                      </a:endParaRPr>
-                    </a:p>
-                  </a:txBody>
-                  <a:tcPr marL="68580" marR="68580" marT="0" marB="0"/>
-                </a:tc>
-                <a:tc>
-                  <a:txBody>
-                    <a:bodyPr/>
-                    <a:lstStyle/>
-                    <a:p>
-                      <a:pPr algn="ctr">
-                        <a:lnSpc>
-                          <a:spcPct val="115000"/>
-                        </a:lnSpc>
-                        <a:spcAft>
-                          <a:spcPts val="1000"/>
-                        </a:spcAft>
-                      </a:pPr>
-                      <a:r>
-                        <a:rPr lang="pt-BR" sz="1100" dirty="0">
-                          <a:effectLst/>
-                          <a:latin typeface="Times New Roman" panose="02020603050405020304" pitchFamily="18" charset="0"/>
-                          <a:cs typeface="Times New Roman" panose="02020603050405020304" pitchFamily="18" charset="0"/>
-                        </a:rPr>
-                        <a:t>3.0</a:t>
-                      </a:r>
-                      <a:endParaRPr lang="pt-BR" sz="1100" dirty="0">
-                        <a:effectLst/>
-                        <a:latin typeface="Times New Roman" panose="02020603050405020304" pitchFamily="18" charset="0"/>
-                        <a:ea typeface="Calibri"/>
-                        <a:cs typeface="Times New Roman" panose="02020603050405020304" pitchFamily="18" charset="0"/>
-                      </a:endParaRPr>
-                    </a:p>
-                  </a:txBody>
-                  <a:tcPr marL="68580" marR="68580" marT="0" marB="0"/>
-                </a:tc>
-                <a:tc>
-                  <a:txBody>
-                    <a:bodyPr/>
-                    <a:lstStyle/>
-                    <a:p>
-                      <a:pPr algn="ctr">
-                        <a:lnSpc>
-                          <a:spcPct val="115000"/>
-                        </a:lnSpc>
-                        <a:spcAft>
-                          <a:spcPts val="1000"/>
-                        </a:spcAft>
-                      </a:pPr>
-                      <a:r>
-                        <a:rPr lang="pt-BR" sz="1100">
-                          <a:effectLst/>
-                          <a:latin typeface="Times New Roman" panose="02020603050405020304" pitchFamily="18" charset="0"/>
-                          <a:cs typeface="Times New Roman" panose="02020603050405020304" pitchFamily="18" charset="0"/>
-                        </a:rPr>
-                        <a:t>1.12</a:t>
-                      </a:r>
-                      <a:endParaRPr lang="pt-BR" sz="1100">
-                        <a:effectLst/>
-                        <a:latin typeface="Times New Roman" panose="02020603050405020304" pitchFamily="18" charset="0"/>
-                        <a:ea typeface="Calibri"/>
-                        <a:cs typeface="Times New Roman" panose="02020603050405020304" pitchFamily="18" charset="0"/>
-                      </a:endParaRPr>
-                    </a:p>
-                  </a:txBody>
-                  <a:tcPr marL="68580" marR="68580" marT="0" marB="0"/>
-                </a:tc>
-                <a:tc>
-                  <a:txBody>
-                    <a:bodyPr/>
-                    <a:lstStyle/>
-                    <a:p>
-                      <a:pPr algn="ctr">
-                        <a:lnSpc>
-                          <a:spcPct val="107000"/>
-                        </a:lnSpc>
-                        <a:spcAft>
-                          <a:spcPts val="800"/>
-                        </a:spcAft>
-                      </a:pPr>
-                      <a:r>
-                        <a:rPr lang="pt-BR" sz="1100" dirty="0" smtClean="0">
-                          <a:effectLst/>
-                          <a:latin typeface="Times New Roman" panose="02020603050405020304" pitchFamily="18" charset="0"/>
-                          <a:cs typeface="Times New Roman" panose="02020603050405020304" pitchFamily="18" charset="0"/>
-                        </a:rPr>
-                        <a:t>R$104.000</a:t>
-                      </a:r>
-                      <a:endParaRPr lang="pt-BR" sz="1100" dirty="0">
-                        <a:effectLst/>
-                        <a:latin typeface="Times New Roman" panose="02020603050405020304" pitchFamily="18" charset="0"/>
-                        <a:ea typeface="Calibri"/>
-                        <a:cs typeface="Times New Roman" panose="02020603050405020304" pitchFamily="18" charset="0"/>
-                      </a:endParaRPr>
-                    </a:p>
-                  </a:txBody>
-                  <a:tcPr marL="68580" marR="68580" marT="0" marB="0"/>
-                </a:tc>
-              </a:tr>
-              <a:tr h="285752">
-                <a:tc>
-                  <a:txBody>
-                    <a:bodyPr/>
-                    <a:lstStyle/>
-                    <a:p>
-                      <a:pPr algn="ctr">
-                        <a:lnSpc>
-                          <a:spcPct val="115000"/>
-                        </a:lnSpc>
-                        <a:spcAft>
-                          <a:spcPts val="1000"/>
-                        </a:spcAft>
-                      </a:pPr>
-                      <a:r>
-                        <a:rPr lang="pt-BR" sz="1100">
-                          <a:effectLst/>
-                          <a:latin typeface="Times New Roman" panose="02020603050405020304" pitchFamily="18" charset="0"/>
-                          <a:cs typeface="Times New Roman" panose="02020603050405020304" pitchFamily="18" charset="0"/>
-                        </a:rPr>
-                        <a:t>Embutido</a:t>
-                      </a:r>
-                      <a:endParaRPr lang="pt-BR" sz="1100">
-                        <a:effectLst/>
-                        <a:latin typeface="Times New Roman" panose="02020603050405020304" pitchFamily="18" charset="0"/>
-                        <a:ea typeface="Calibri"/>
-                        <a:cs typeface="Times New Roman" panose="02020603050405020304" pitchFamily="18" charset="0"/>
-                      </a:endParaRPr>
-                    </a:p>
-                  </a:txBody>
-                  <a:tcPr marL="68580" marR="68580" marT="0" marB="0"/>
-                </a:tc>
-                <a:tc>
-                  <a:txBody>
-                    <a:bodyPr/>
-                    <a:lstStyle/>
-                    <a:p>
-                      <a:pPr algn="ctr">
-                        <a:lnSpc>
-                          <a:spcPct val="115000"/>
-                        </a:lnSpc>
-                        <a:spcAft>
-                          <a:spcPts val="1000"/>
-                        </a:spcAft>
-                      </a:pPr>
-                      <a:r>
-                        <a:rPr lang="pt-BR" sz="1100">
-                          <a:effectLst/>
-                          <a:latin typeface="Times New Roman" panose="02020603050405020304" pitchFamily="18" charset="0"/>
-                          <a:cs typeface="Times New Roman" panose="02020603050405020304" pitchFamily="18" charset="0"/>
-                        </a:rPr>
-                        <a:t>2.8</a:t>
-                      </a:r>
-                      <a:endParaRPr lang="pt-BR" sz="1100">
-                        <a:effectLst/>
-                        <a:latin typeface="Times New Roman" panose="02020603050405020304" pitchFamily="18" charset="0"/>
-                        <a:ea typeface="Calibri"/>
-                        <a:cs typeface="Times New Roman" panose="02020603050405020304" pitchFamily="18" charset="0"/>
-                      </a:endParaRPr>
-                    </a:p>
-                  </a:txBody>
-                  <a:tcPr marL="68580" marR="68580" marT="0" marB="0"/>
-                </a:tc>
-                <a:tc>
-                  <a:txBody>
-                    <a:bodyPr/>
-                    <a:lstStyle/>
-                    <a:p>
-                      <a:pPr algn="ctr">
-                        <a:lnSpc>
-                          <a:spcPct val="115000"/>
-                        </a:lnSpc>
-                        <a:spcAft>
-                          <a:spcPts val="1000"/>
-                        </a:spcAft>
-                      </a:pPr>
-                      <a:r>
-                        <a:rPr lang="pt-BR" sz="1100">
-                          <a:effectLst/>
-                          <a:latin typeface="Times New Roman" panose="02020603050405020304" pitchFamily="18" charset="0"/>
-                          <a:cs typeface="Times New Roman" panose="02020603050405020304" pitchFamily="18" charset="0"/>
-                        </a:rPr>
-                        <a:t>1.20</a:t>
-                      </a:r>
-                      <a:endParaRPr lang="pt-BR" sz="1100">
-                        <a:effectLst/>
-                        <a:latin typeface="Times New Roman" panose="02020603050405020304" pitchFamily="18" charset="0"/>
-                        <a:ea typeface="Calibri"/>
-                        <a:cs typeface="Times New Roman" panose="02020603050405020304" pitchFamily="18" charset="0"/>
-                      </a:endParaRPr>
-                    </a:p>
-                  </a:txBody>
-                  <a:tcPr marL="68580" marR="68580" marT="0" marB="0"/>
-                </a:tc>
-                <a:tc>
-                  <a:txBody>
-                    <a:bodyPr/>
-                    <a:lstStyle/>
-                    <a:p>
-                      <a:pPr algn="ctr">
-                        <a:lnSpc>
                           <a:spcPct val="115000"/>
                         </a:lnSpc>
                         <a:spcAft>
@@ -24741,8 +24481,256 @@
                           <a:latin typeface="Times New Roman" panose="02020603050405020304" pitchFamily="18" charset="0"/>
                           <a:cs typeface="Times New Roman" panose="02020603050405020304" pitchFamily="18" charset="0"/>
                         </a:rPr>
-                        <a:t>R$172.000</a:t>
-                      </a:r>
+                        <a:t>R$</a:t>
+                      </a:r>
+                      <a:r>
+                        <a:rPr lang="pt-BR" sz="1100" dirty="0" smtClean="0">
+                          <a:effectLst/>
+                          <a:latin typeface="Times New Roman" panose="02020603050405020304" pitchFamily="18" charset="0"/>
+                          <a:ea typeface="Calibri"/>
+                          <a:cs typeface="Times New Roman" panose="02020603050405020304" pitchFamily="18" charset="0"/>
+                        </a:rPr>
+                        <a:t>148.000</a:t>
+                      </a:r>
+                      <a:endParaRPr lang="pt-BR" sz="1100" dirty="0">
+                        <a:effectLst/>
+                        <a:latin typeface="Times New Roman" panose="02020603050405020304" pitchFamily="18" charset="0"/>
+                        <a:ea typeface="Calibri"/>
+                        <a:cs typeface="Times New Roman" panose="02020603050405020304" pitchFamily="18" charset="0"/>
+                      </a:endParaRPr>
+                    </a:p>
+                  </a:txBody>
+                  <a:tcPr marL="68580" marR="68580" marT="0" marB="0"/>
+                </a:tc>
+              </a:tr>
+              <a:tr h="361750">
+                <a:tc>
+                  <a:txBody>
+                    <a:bodyPr/>
+                    <a:lstStyle/>
+                    <a:p>
+                      <a:pPr algn="ctr">
+                        <a:lnSpc>
+                          <a:spcPct val="115000"/>
+                        </a:lnSpc>
+                        <a:spcAft>
+                          <a:spcPts val="1000"/>
+                        </a:spcAft>
+                      </a:pPr>
+                      <a:r>
+                        <a:rPr lang="pt-BR" sz="1100" dirty="0">
+                          <a:effectLst/>
+                          <a:latin typeface="Times New Roman" panose="02020603050405020304" pitchFamily="18" charset="0"/>
+                          <a:cs typeface="Times New Roman" panose="02020603050405020304" pitchFamily="18" charset="0"/>
+                        </a:rPr>
+                        <a:t>Semidestacado</a:t>
+                      </a:r>
+                      <a:endParaRPr lang="pt-BR" sz="1100" dirty="0">
+                        <a:effectLst/>
+                        <a:latin typeface="Times New Roman" panose="02020603050405020304" pitchFamily="18" charset="0"/>
+                        <a:ea typeface="Calibri"/>
+                        <a:cs typeface="Times New Roman" panose="02020603050405020304" pitchFamily="18" charset="0"/>
+                      </a:endParaRPr>
+                    </a:p>
+                  </a:txBody>
+                  <a:tcPr marL="68580" marR="68580" marT="0" marB="0"/>
+                </a:tc>
+                <a:tc>
+                  <a:txBody>
+                    <a:bodyPr/>
+                    <a:lstStyle/>
+                    <a:p>
+                      <a:pPr algn="ctr">
+                        <a:lnSpc>
+                          <a:spcPct val="115000"/>
+                        </a:lnSpc>
+                        <a:spcAft>
+                          <a:spcPts val="1000"/>
+                        </a:spcAft>
+                      </a:pPr>
+                      <a:r>
+                        <a:rPr lang="pt-BR" sz="1100" dirty="0">
+                          <a:effectLst/>
+                          <a:latin typeface="Times New Roman" panose="02020603050405020304" pitchFamily="18" charset="0"/>
+                          <a:cs typeface="Times New Roman" panose="02020603050405020304" pitchFamily="18" charset="0"/>
+                        </a:rPr>
+                        <a:t>3.0</a:t>
+                      </a:r>
+                      <a:endParaRPr lang="pt-BR" sz="1100" dirty="0">
+                        <a:effectLst/>
+                        <a:latin typeface="Times New Roman" panose="02020603050405020304" pitchFamily="18" charset="0"/>
+                        <a:ea typeface="Calibri"/>
+                        <a:cs typeface="Times New Roman" panose="02020603050405020304" pitchFamily="18" charset="0"/>
+                      </a:endParaRPr>
+                    </a:p>
+                  </a:txBody>
+                  <a:tcPr marL="68580" marR="68580" marT="0" marB="0"/>
+                </a:tc>
+                <a:tc>
+                  <a:txBody>
+                    <a:bodyPr/>
+                    <a:lstStyle/>
+                    <a:p>
+                      <a:pPr algn="ctr">
+                        <a:lnSpc>
+                          <a:spcPct val="115000"/>
+                        </a:lnSpc>
+                        <a:spcAft>
+                          <a:spcPts val="1000"/>
+                        </a:spcAft>
+                      </a:pPr>
+                      <a:r>
+                        <a:rPr lang="pt-BR" sz="1100">
+                          <a:effectLst/>
+                          <a:latin typeface="Times New Roman" panose="02020603050405020304" pitchFamily="18" charset="0"/>
+                          <a:cs typeface="Times New Roman" panose="02020603050405020304" pitchFamily="18" charset="0"/>
+                        </a:rPr>
+                        <a:t>1.12</a:t>
+                      </a:r>
+                      <a:endParaRPr lang="pt-BR" sz="1100">
+                        <a:effectLst/>
+                        <a:latin typeface="Times New Roman" panose="02020603050405020304" pitchFamily="18" charset="0"/>
+                        <a:ea typeface="Calibri"/>
+                        <a:cs typeface="Times New Roman" panose="02020603050405020304" pitchFamily="18" charset="0"/>
+                      </a:endParaRPr>
+                    </a:p>
+                  </a:txBody>
+                  <a:tcPr marL="68580" marR="68580" marT="0" marB="0"/>
+                </a:tc>
+                <a:tc>
+                  <a:txBody>
+                    <a:bodyPr/>
+                    <a:lstStyle/>
+                    <a:p>
+                      <a:pPr algn="ctr">
+                        <a:lnSpc>
+                          <a:spcPct val="107000"/>
+                        </a:lnSpc>
+                        <a:spcAft>
+                          <a:spcPts val="800"/>
+                        </a:spcAft>
+                      </a:pPr>
+                      <a:endParaRPr lang="pt-BR" sz="1100" dirty="0">
+                        <a:effectLst/>
+                        <a:latin typeface="Times New Roman" panose="02020603050405020304" pitchFamily="18" charset="0"/>
+                        <a:ea typeface="Calibri"/>
+                        <a:cs typeface="Times New Roman" panose="02020603050405020304" pitchFamily="18" charset="0"/>
+                      </a:endParaRPr>
+                    </a:p>
+                  </a:txBody>
+                  <a:tcPr marL="68580" marR="68580" marT="0" marB="0"/>
+                </a:tc>
+              </a:tr>
+              <a:tr h="285752">
+                <a:tc>
+                  <a:txBody>
+                    <a:bodyPr/>
+                    <a:lstStyle/>
+                    <a:p>
+                      <a:pPr algn="ctr">
+                        <a:lnSpc>
+                          <a:spcPct val="115000"/>
+                        </a:lnSpc>
+                        <a:spcAft>
+                          <a:spcPts val="1000"/>
+                        </a:spcAft>
+                      </a:pPr>
+                      <a:r>
+                        <a:rPr lang="pt-BR" sz="1100">
+                          <a:effectLst/>
+                          <a:latin typeface="Times New Roman" panose="02020603050405020304" pitchFamily="18" charset="0"/>
+                          <a:cs typeface="Times New Roman" panose="02020603050405020304" pitchFamily="18" charset="0"/>
+                        </a:rPr>
+                        <a:t>Embutido</a:t>
+                      </a:r>
+                      <a:endParaRPr lang="pt-BR" sz="1100">
+                        <a:effectLst/>
+                        <a:latin typeface="Times New Roman" panose="02020603050405020304" pitchFamily="18" charset="0"/>
+                        <a:ea typeface="Calibri"/>
+                        <a:cs typeface="Times New Roman" panose="02020603050405020304" pitchFamily="18" charset="0"/>
+                      </a:endParaRPr>
+                    </a:p>
+                  </a:txBody>
+                  <a:tcPr marL="68580" marR="68580" marT="0" marB="0"/>
+                </a:tc>
+                <a:tc>
+                  <a:txBody>
+                    <a:bodyPr/>
+                    <a:lstStyle/>
+                    <a:p>
+                      <a:pPr algn="ctr">
+                        <a:lnSpc>
+                          <a:spcPct val="115000"/>
+                        </a:lnSpc>
+                        <a:spcAft>
+                          <a:spcPts val="1000"/>
+                        </a:spcAft>
+                      </a:pPr>
+                      <a:r>
+                        <a:rPr lang="pt-BR" sz="1100">
+                          <a:effectLst/>
+                          <a:latin typeface="Times New Roman" panose="02020603050405020304" pitchFamily="18" charset="0"/>
+                          <a:cs typeface="Times New Roman" panose="02020603050405020304" pitchFamily="18" charset="0"/>
+                        </a:rPr>
+                        <a:t>2.8</a:t>
+                      </a:r>
+                      <a:endParaRPr lang="pt-BR" sz="1100">
+                        <a:effectLst/>
+                        <a:latin typeface="Times New Roman" panose="02020603050405020304" pitchFamily="18" charset="0"/>
+                        <a:ea typeface="Calibri"/>
+                        <a:cs typeface="Times New Roman" panose="02020603050405020304" pitchFamily="18" charset="0"/>
+                      </a:endParaRPr>
+                    </a:p>
+                  </a:txBody>
+                  <a:tcPr marL="68580" marR="68580" marT="0" marB="0"/>
+                </a:tc>
+                <a:tc>
+                  <a:txBody>
+                    <a:bodyPr/>
+                    <a:lstStyle/>
+                    <a:p>
+                      <a:pPr algn="ctr">
+                        <a:lnSpc>
+                          <a:spcPct val="115000"/>
+                        </a:lnSpc>
+                        <a:spcAft>
+                          <a:spcPts val="1000"/>
+                        </a:spcAft>
+                      </a:pPr>
+                      <a:r>
+                        <a:rPr lang="pt-BR" sz="1100">
+                          <a:effectLst/>
+                          <a:latin typeface="Times New Roman" panose="02020603050405020304" pitchFamily="18" charset="0"/>
+                          <a:cs typeface="Times New Roman" panose="02020603050405020304" pitchFamily="18" charset="0"/>
+                        </a:rPr>
+                        <a:t>1.20</a:t>
+                      </a:r>
+                      <a:endParaRPr lang="pt-BR" sz="1100">
+                        <a:effectLst/>
+                        <a:latin typeface="Times New Roman" panose="02020603050405020304" pitchFamily="18" charset="0"/>
+                        <a:ea typeface="Calibri"/>
+                        <a:cs typeface="Times New Roman" panose="02020603050405020304" pitchFamily="18" charset="0"/>
+                      </a:endParaRPr>
+                    </a:p>
+                  </a:txBody>
+                  <a:tcPr marL="68580" marR="68580" marT="0" marB="0"/>
+                </a:tc>
+                <a:tc>
+                  <a:txBody>
+                    <a:bodyPr/>
+                    <a:lstStyle/>
+                    <a:p>
+                      <a:pPr algn="ctr">
+                        <a:lnSpc>
+                          <a:spcPct val="115000"/>
+                        </a:lnSpc>
+                        <a:spcAft>
+                          <a:spcPts val="1000"/>
+                        </a:spcAft>
+                        <a:tabLst>
+                          <a:tab pos="933450" algn="l"/>
+                        </a:tabLst>
+                      </a:pPr>
                       <a:endParaRPr lang="pt-BR" sz="1100" dirty="0">
                         <a:effectLst/>
                         <a:latin typeface="Times New Roman" panose="02020603050405020304" pitchFamily="18" charset="0"/>
@@ -25112,14 +25100,14 @@
           <p:nvPr>
             <p:extLst>
               <p:ext uri="{D42A27DB-BD31-4B8C-83A1-F6EECF244321}">
-                <p14:modId xmlns:p14="http://schemas.microsoft.com/office/powerpoint/2010/main" val="4144494996"/>
+                <p14:modId xmlns:p14="http://schemas.microsoft.com/office/powerpoint/2010/main" val="203469953"/>
               </p:ext>
             </p:extLst>
           </p:nvPr>
         </p:nvGraphicFramePr>
         <p:xfrm>
           <a:off x="1115616" y="969495"/>
-          <a:ext cx="7043285" cy="4545325"/>
+          <a:ext cx="7043285" cy="4547737"/>
         </p:xfrm>
         <a:graphic>
           <a:graphicData uri="http://schemas.openxmlformats.org/drawingml/2006/table">
@@ -25449,7 +25437,43 @@
                           <a:ea typeface="Calibri"/>
                           <a:cs typeface="Times New Roman" panose="02020603050405020304" pitchFamily="18" charset="0"/>
                         </a:rPr>
-                        <a:t> 2000 = programa pobre (Iguais do Rafael).</a:t>
+                        <a:t> </a:t>
+                      </a:r>
+                      <a:r>
+                        <a:rPr lang="pt-BR" sz="1600" baseline="0" dirty="0" smtClean="0">
+                          <a:effectLst/>
+                          <a:latin typeface="Times New Roman" panose="02020603050405020304" pitchFamily="18" charset="0"/>
+                          <a:ea typeface="Calibri"/>
+                          <a:cs typeface="Times New Roman" panose="02020603050405020304" pitchFamily="18" charset="0"/>
+                        </a:rPr>
+                        <a:t>2.000 </a:t>
+                      </a:r>
+                      <a:r>
+                        <a:rPr lang="pt-BR" sz="1600" baseline="0" dirty="0" smtClean="0">
+                          <a:effectLst/>
+                          <a:latin typeface="Times New Roman" panose="02020603050405020304" pitchFamily="18" charset="0"/>
+                          <a:ea typeface="Calibri"/>
+                          <a:cs typeface="Times New Roman" panose="02020603050405020304" pitchFamily="18" charset="0"/>
+                        </a:rPr>
+                        <a:t>= programa pobre (</a:t>
+                      </a:r>
+                      <a:r>
+                        <a:rPr lang="pt-BR" sz="1600" baseline="0" dirty="0" smtClean="0">
+                          <a:effectLst/>
+                          <a:latin typeface="Times New Roman" panose="02020603050405020304" pitchFamily="18" charset="0"/>
+                          <a:ea typeface="Calibri"/>
+                          <a:cs typeface="Times New Roman" panose="02020603050405020304" pitchFamily="18" charset="0"/>
+                        </a:rPr>
+                        <a:t>Igual o </a:t>
+                      </a:r>
+                      <a:r>
+                        <a:rPr lang="pt-BR" sz="1600" baseline="0" dirty="0" smtClean="0">
+                          <a:effectLst/>
+                          <a:latin typeface="Times New Roman" panose="02020603050405020304" pitchFamily="18" charset="0"/>
+                          <a:ea typeface="Calibri"/>
+                          <a:cs typeface="Times New Roman" panose="02020603050405020304" pitchFamily="18" charset="0"/>
+                        </a:rPr>
+                        <a:t>do Rafael).</a:t>
                       </a:r>
                     </a:p>
                     <a:p>
@@ -25827,7 +25851,7 @@
                   <a:tcPr/>
                 </a:tc>
               </a:tr>
-              <a:tr h="427335">
+              <a:tr h="429747">
                 <a:tc gridSpan="4">
                   <a:txBody>
                     <a:bodyPr/>
@@ -26832,35 +26856,7 @@
                 <a:latin typeface="Times New Roman" panose="02020603050405020304" pitchFamily="18" charset="0"/>
                 <a:cs typeface="Times New Roman" panose="02020603050405020304" pitchFamily="18" charset="0"/>
               </a:rPr>
-              <a:t>Entrega:  de </a:t>
-            </a:r>
-            <a:r>
-              <a:rPr lang="pt-BR" dirty="0" smtClean="0">
-                <a:latin typeface="Times New Roman" panose="02020603050405020304" pitchFamily="18" charset="0"/>
-                <a:cs typeface="Times New Roman" panose="02020603050405020304" pitchFamily="18" charset="0"/>
-              </a:rPr>
-              <a:t>5 </a:t>
-            </a:r>
-            <a:r>
-              <a:rPr lang="pt-BR" dirty="0" smtClean="0">
-                <a:latin typeface="Times New Roman" panose="02020603050405020304" pitchFamily="18" charset="0"/>
-                <a:cs typeface="Times New Roman" panose="02020603050405020304" pitchFamily="18" charset="0"/>
-              </a:rPr>
-              <a:t>a </a:t>
-            </a:r>
-            <a:r>
-              <a:rPr lang="pt-BR" dirty="0" smtClean="0">
-                <a:latin typeface="Times New Roman" panose="02020603050405020304" pitchFamily="18" charset="0"/>
-                <a:cs typeface="Times New Roman" panose="02020603050405020304" pitchFamily="18" charset="0"/>
-              </a:rPr>
-              <a:t>6 </a:t>
-            </a:r>
-            <a:r>
-              <a:rPr lang="pt-BR" dirty="0" smtClean="0">
-                <a:latin typeface="Times New Roman" panose="02020603050405020304" pitchFamily="18" charset="0"/>
-                <a:cs typeface="Times New Roman" panose="02020603050405020304" pitchFamily="18" charset="0"/>
-              </a:rPr>
-              <a:t>meses.</a:t>
+              <a:t>Entrega:  de 5 a 6 meses.</a:t>
             </a:r>
           </a:p>
           <a:p>
@@ -27046,14 +27042,7 @@
                 <a:latin typeface="Times New Roman" panose="02020603050405020304" pitchFamily="18" charset="0"/>
                 <a:cs typeface="Times New Roman" panose="02020603050405020304" pitchFamily="18" charset="0"/>
               </a:rPr>
-              <a:t>, Edit, Remove</a:t>
-            </a:r>
-            <a:r>
-              <a:rPr lang="pt-BR" dirty="0" smtClean="0">
-                <a:latin typeface="Times New Roman" panose="02020603050405020304" pitchFamily="18" charset="0"/>
-                <a:cs typeface="Times New Roman" panose="02020603050405020304" pitchFamily="18" charset="0"/>
-              </a:rPr>
-              <a:t>) .</a:t>
+              <a:t>, Edit, Remove) .</a:t>
             </a:r>
           </a:p>
           <a:p>
@@ -27066,19 +27055,8 @@
                 <a:latin typeface="Times New Roman" panose="02020603050405020304" pitchFamily="18" charset="0"/>
                 <a:cs typeface="Times New Roman" panose="02020603050405020304" pitchFamily="18" charset="0"/>
               </a:rPr>
-              <a:t>Perfil(Foto , </a:t>
+              <a:t>Perfil(Foto , Informações).</a:t>
             </a:r>
-            <a:r>
-              <a:rPr lang="pt-BR" dirty="0" smtClean="0">
-                <a:latin typeface="Times New Roman" panose="02020603050405020304" pitchFamily="18" charset="0"/>
-                <a:cs typeface="Times New Roman" panose="02020603050405020304" pitchFamily="18" charset="0"/>
-              </a:rPr>
-              <a:t>Informações).</a:t>
-            </a:r>
-            <a:endParaRPr lang="pt-BR" dirty="0" smtClean="0">
-              <a:latin typeface="Times New Roman" panose="02020603050405020304" pitchFamily="18" charset="0"/>
-              <a:cs typeface="Times New Roman" panose="02020603050405020304" pitchFamily="18" charset="0"/>
-            </a:endParaRPr>
           </a:p>
           <a:p>
             <a:r>
@@ -27110,14 +27088,7 @@
                 <a:latin typeface="Times New Roman" panose="02020603050405020304" pitchFamily="18" charset="0"/>
                 <a:cs typeface="Times New Roman" panose="02020603050405020304" pitchFamily="18" charset="0"/>
               </a:rPr>
-              <a:t>Cadastro (Add</a:t>
-            </a:r>
-            <a:r>
-              <a:rPr lang="pt-BR" dirty="0" smtClean="0">
-                <a:latin typeface="Times New Roman" panose="02020603050405020304" pitchFamily="18" charset="0"/>
-                <a:cs typeface="Times New Roman" panose="02020603050405020304" pitchFamily="18" charset="0"/>
-              </a:rPr>
-              <a:t>, Edit, Remove</a:t>
+              <a:t>Cadastro (Add, Edit, Remove</a:t>
             </a:r>
             <a:r>
               <a:rPr lang="pt-BR" dirty="0">
@@ -27150,21 +27121,7 @@
                 <a:latin typeface="Times New Roman" panose="02020603050405020304" pitchFamily="18" charset="0"/>
                 <a:cs typeface="Times New Roman" panose="02020603050405020304" pitchFamily="18" charset="0"/>
               </a:rPr>
-              <a:t>Ligar maquina, Desligar </a:t>
-            </a:r>
-            <a:r>
-              <a:rPr lang="pt-BR" dirty="0" smtClean="0">
-                <a:latin typeface="Times New Roman" panose="02020603050405020304" pitchFamily="18" charset="0"/>
-                <a:cs typeface="Times New Roman" panose="02020603050405020304" pitchFamily="18" charset="0"/>
-              </a:rPr>
-              <a:t>máquina</a:t>
-            </a:r>
-            <a:r>
-              <a:rPr lang="pt-BR" dirty="0" smtClean="0">
-                <a:latin typeface="Times New Roman" panose="02020603050405020304" pitchFamily="18" charset="0"/>
-                <a:cs typeface="Times New Roman" panose="02020603050405020304" pitchFamily="18" charset="0"/>
-              </a:rPr>
-              <a:t>.</a:t>
+              <a:t>Ligar maquina, Desligar máquina.</a:t>
             </a:r>
           </a:p>
           <a:p>
@@ -34877,7 +34834,7 @@
   <a:extraClrSchemeLst/>
   <a:extLst>
     <a:ext uri="{05A4C25C-085E-4340-85A3-A5531E510DB2}">
-      <thm15:themeFamily xmlns:thm15="http://schemas.microsoft.com/office/thememl/2012/main" xmlns="" name="Main Event" id="{AC372BB4-D83D-411E-B849-B641926BA760}" vid="{F1EFBDE3-1A95-4E3D-81AD-1F53D65BEA01}"/>
+      <thm15:themeFamily xmlns="" xmlns:thm15="http://schemas.microsoft.com/office/thememl/2012/main" name="Main Event" id="{AC372BB4-D83D-411E-B849-B641926BA760}" vid="{F1EFBDE3-1A95-4E3D-81AD-1F53D65BEA01}"/>
     </a:ext>
   </a:extLst>
 </a:theme>
